--- a/en/ProgrammingLessons/beginner/scratch-Introduction.pptx
+++ b/en/ProgrammingLessons/beginner/scratch-Introduction.pptx
@@ -226,7 +226,7 @@
           <a:p>
             <a:fld id="{58040048-1E4D-CD41-AC49-0750EB72586B}" type="datetimeFigureOut">
               <a:rPr lang="en-US" smtClean="0"/>
-              <a:t>12/21/19</a:t>
+              <a:t>12/25/19</a:t>
             </a:fld>
             <a:endParaRPr lang="en-US"/>
           </a:p>
@@ -392,7 +392,7 @@
           <a:p>
             <a:fld id="{2B8484CF-5098-F24E-8881-583515D5C406}" type="datetimeFigureOut">
               <a:rPr lang="en-US" smtClean="0"/>
-              <a:t>12/21/19</a:t>
+              <a:t>12/25/19</a:t>
             </a:fld>
             <a:endParaRPr lang="en-US"/>
           </a:p>
@@ -1376,35 +1376,6 @@
           </a:p>
         </p:txBody>
       </p:sp>
-      <p:pic>
-        <p:nvPicPr>
-          <p:cNvPr id="16" name="Picture 15" descr="EV3Lessons2019v2.png"/>
-          <p:cNvPicPr>
-            <a:picLocks noChangeAspect="1"/>
-          </p:cNvPicPr>
-          <p:nvPr userDrawn="1"/>
-        </p:nvPicPr>
-        <p:blipFill rotWithShape="1">
-          <a:blip r:embed="rId2">
-            <a:extLst>
-              <a:ext uri="{28A0092B-C50C-407E-A947-70E740481C1C}">
-                <a14:useLocalDpi xmlns:a14="http://schemas.microsoft.com/office/drawing/2010/main" val="0"/>
-              </a:ext>
-            </a:extLst>
-          </a:blip>
-          <a:srcRect l="1676" t="4262" r="1441" b="4110"/>
-          <a:stretch/>
-        </p:blipFill>
-        <p:spPr>
-          <a:xfrm>
-            <a:off x="191030" y="91439"/>
-            <a:ext cx="8539480" cy="3388361"/>
-          </a:xfrm>
-          <a:prstGeom prst="rect">
-            <a:avLst/>
-          </a:prstGeom>
-        </p:spPr>
-      </p:pic>
     </p:spTree>
     <p:extLst>
       <p:ext uri="{BB962C8B-B14F-4D97-AF65-F5344CB8AC3E}">
@@ -7381,54 +7352,112 @@
             <p:ph type="subTitle" idx="1"/>
           </p:nvPr>
         </p:nvSpPr>
-        <p:spPr/>
-        <p:txBody>
-          <a:bodyPr/>
+        <p:spPr>
+          <a:xfrm>
+            <a:off x="1143000" y="3327832"/>
+            <a:ext cx="6858000" cy="914400"/>
+          </a:xfrm>
+        </p:spPr>
+        <p:txBody>
+          <a:bodyPr>
+            <a:normAutofit/>
+          </a:bodyPr>
           <a:lstStyle/>
           <a:p>
             <a:r>
               <a:rPr lang="en-US" dirty="0"/>
-              <a:t>Introduction to the EV3 Brick </a:t>
-            </a:r>
-            <a:br>
-              <a:rPr lang="en-US" dirty="0"/>
-            </a:br>
-            <a:r>
-              <a:rPr lang="en-US" dirty="0"/>
-              <a:t>and EV3 Classroom Software</a:t>
-            </a:r>
-          </a:p>
-        </p:txBody>
-      </p:sp>
-      <p:sp>
-        <p:nvSpPr>
-          <p:cNvPr id="3" name="Title 2"/>
-          <p:cNvSpPr>
-            <a:spLocks noGrp="1"/>
-          </p:cNvSpPr>
-          <p:nvPr>
-            <p:ph type="ctrTitle"/>
-          </p:nvPr>
-        </p:nvSpPr>
-        <p:spPr/>
-        <p:txBody>
-          <a:bodyPr/>
-          <a:lstStyle/>
-          <a:p>
-            <a:pPr algn="ctr"/>
-            <a:r>
-              <a:rPr lang="en-US" dirty="0"/>
+              <a:t>EV3 Classroom: Introduction to the EV3 Brick and EV3 Classroom Software</a:t>
+            </a:r>
+          </a:p>
+        </p:txBody>
+      </p:sp>
+      <p:sp>
+        <p:nvSpPr>
+          <p:cNvPr id="7" name="Title 1">
+            <a:extLst>
+              <a:ext uri="{FF2B5EF4-FFF2-40B4-BE49-F238E27FC236}">
+                <a16:creationId xmlns:a16="http://schemas.microsoft.com/office/drawing/2014/main" id="{033DC743-58F1-EA47-8417-1C0EC8212BE1}"/>
+              </a:ext>
+            </a:extLst>
+          </p:cNvPr>
+          <p:cNvSpPr txBox="1">
+            <a:spLocks/>
+          </p:cNvSpPr>
+          <p:nvPr/>
+        </p:nvSpPr>
+        <p:spPr>
+          <a:xfrm>
+            <a:off x="4868091" y="272833"/>
+            <a:ext cx="3897684" cy="1598052"/>
+          </a:xfrm>
+          <a:prstGeom prst="rect">
+            <a:avLst/>
+          </a:prstGeom>
+        </p:spPr>
+        <p:txBody>
+          <a:bodyPr vert="horz" lIns="91440" tIns="45720" rIns="91440" bIns="45720" rtlCol="0" anchor="t" anchorCtr="0">
+            <a:noAutofit/>
+          </a:bodyPr>
+          <a:lstStyle>
+            <a:lvl1pPr algn="l" defTabSz="914400" rtl="0" eaLnBrk="1" latinLnBrk="0" hangingPunct="1">
+              <a:spcBef>
+                <a:spcPct val="0"/>
+              </a:spcBef>
+              <a:buNone/>
+              <a:defRPr sz="2800" kern="1200" cap="all" spc="-60" baseline="0">
+                <a:solidFill>
+                  <a:schemeClr val="tx2"/>
+                </a:solidFill>
+                <a:latin typeface="+mj-lt"/>
+                <a:ea typeface="+mj-ea"/>
+                <a:cs typeface="+mj-cs"/>
+              </a:defRPr>
+            </a:lvl1pPr>
+          </a:lstStyle>
+          <a:p>
+            <a:r>
+              <a:rPr lang="en-US" sz="3200"/>
               <a:t>BEGINNER PROGRAMMING LESSON</a:t>
             </a:r>
+            <a:endParaRPr lang="en-US" sz="3200" dirty="0"/>
           </a:p>
         </p:txBody>
       </p:sp>
       <p:pic>
         <p:nvPicPr>
-          <p:cNvPr id="4" name="Picture 3" descr="A close up of a sign&#10;&#10;Description automatically generated">
+          <p:cNvPr id="8" name="Picture 7" descr="A picture containing drawing&#10;&#10;Description automatically generated">
             <a:extLst>
               <a:ext uri="{FF2B5EF4-FFF2-40B4-BE49-F238E27FC236}">
-                <a16:creationId xmlns:a16="http://schemas.microsoft.com/office/drawing/2014/main" id="{0210E6C9-749A-274F-AD35-6267AE6C9E82}"/>
+                <a16:creationId xmlns:a16="http://schemas.microsoft.com/office/drawing/2014/main" id="{D3E93BA2-4D11-D548-86D6-C9949E861A32}"/>
+              </a:ext>
+            </a:extLst>
+          </p:cNvPr>
+          <p:cNvPicPr>
+            <a:picLocks noChangeAspect="1"/>
+          </p:cNvPicPr>
+          <p:nvPr/>
+        </p:nvPicPr>
+        <p:blipFill rotWithShape="1">
+          <a:blip r:embed="rId3"/>
+          <a:srcRect l="1617" t="7031" r="4033" b="8124"/>
+          <a:stretch/>
+        </p:blipFill>
+        <p:spPr>
+          <a:xfrm>
+            <a:off x="129863" y="209018"/>
+            <a:ext cx="4442137" cy="1673443"/>
+          </a:xfrm>
+          <a:prstGeom prst="rect">
+            <a:avLst/>
+          </a:prstGeom>
+        </p:spPr>
+      </p:pic>
+      <p:pic>
+        <p:nvPicPr>
+          <p:cNvPr id="9" name="Picture 8" descr="A close up of a sign&#10;&#10;Description automatically generated">
+            <a:extLst>
+              <a:ext uri="{FF2B5EF4-FFF2-40B4-BE49-F238E27FC236}">
+                <a16:creationId xmlns:a16="http://schemas.microsoft.com/office/drawing/2014/main" id="{1A35042A-0720-304F-B938-90281B022DD7}"/>
               </a:ext>
             </a:extLst>
           </p:cNvPr>
@@ -7438,15 +7467,21 @@
           <p:nvPr/>
         </p:nvPicPr>
         <p:blipFill>
-          <a:blip r:embed="rId3"/>
+          <a:blip r:embed="rId4">
+            <a:extLst>
+              <a:ext uri="{28A0092B-C50C-407E-A947-70E740481C1C}">
+                <a14:useLocalDpi xmlns:a14="http://schemas.microsoft.com/office/drawing/2010/main" val="0"/>
+              </a:ext>
+            </a:extLst>
+          </a:blip>
           <a:stretch>
             <a:fillRect/>
           </a:stretch>
         </p:blipFill>
         <p:spPr>
-          <a:xfrm rot="905751">
-            <a:off x="7428181" y="371720"/>
-            <a:ext cx="1124670" cy="1101589"/>
+          <a:xfrm>
+            <a:off x="3730120" y="4883748"/>
+            <a:ext cx="1444298" cy="1444298"/>
           </a:xfrm>
           <a:prstGeom prst="rect">
             <a:avLst/>

--- a/en/ProgrammingLessons/beginner/scratch-Introduction.pptx
+++ b/en/ProgrammingLessons/beginner/scratch-Introduction.pptx
@@ -226,7 +226,7 @@
           <a:p>
             <a:fld id="{58040048-1E4D-CD41-AC49-0750EB72586B}" type="datetimeFigureOut">
               <a:rPr lang="en-US" smtClean="0"/>
-              <a:t>12/25/19</a:t>
+              <a:t>12/27/19</a:t>
             </a:fld>
             <a:endParaRPr lang="en-US"/>
           </a:p>
@@ -392,7 +392,7 @@
           <a:p>
             <a:fld id="{2B8484CF-5098-F24E-8881-583515D5C406}" type="datetimeFigureOut">
               <a:rPr lang="en-US" smtClean="0"/>
-              <a:t>12/25/19</a:t>
+              <a:t>12/27/19</a:t>
             </a:fld>
             <a:endParaRPr lang="en-US"/>
           </a:p>
@@ -8370,6 +8370,62 @@
       </p:grpSpPr>
       <p:sp>
         <p:nvSpPr>
+          <p:cNvPr id="9" name="Rectangle 8">
+            <a:extLst>
+              <a:ext uri="{FF2B5EF4-FFF2-40B4-BE49-F238E27FC236}">
+                <a16:creationId xmlns:a16="http://schemas.microsoft.com/office/drawing/2014/main" id="{D78E2981-6FDF-1D4B-8BBA-3A3E6CAD2628}"/>
+              </a:ext>
+            </a:extLst>
+          </p:cNvPr>
+          <p:cNvSpPr/>
+          <p:nvPr/>
+        </p:nvSpPr>
+        <p:spPr>
+          <a:xfrm>
+            <a:off x="4119107" y="4711148"/>
+            <a:ext cx="4194259" cy="1898374"/>
+          </a:xfrm>
+          <a:prstGeom prst="rect">
+            <a:avLst/>
+          </a:prstGeom>
+          <a:solidFill>
+            <a:schemeClr val="bg1">
+              <a:lumMod val="95000"/>
+            </a:schemeClr>
+          </a:solidFill>
+          <a:ln>
+            <a:solidFill>
+              <a:srgbClr val="FF0000"/>
+            </a:solidFill>
+          </a:ln>
+        </p:spPr>
+        <p:style>
+          <a:lnRef idx="2">
+            <a:schemeClr val="accent1">
+              <a:shade val="50000"/>
+            </a:schemeClr>
+          </a:lnRef>
+          <a:fillRef idx="1">
+            <a:schemeClr val="accent1"/>
+          </a:fillRef>
+          <a:effectRef idx="0">
+            <a:schemeClr val="accent1"/>
+          </a:effectRef>
+          <a:fontRef idx="minor">
+            <a:schemeClr val="lt1"/>
+          </a:fontRef>
+        </p:style>
+        <p:txBody>
+          <a:bodyPr rtlCol="0" anchor="ctr"/>
+          <a:lstStyle/>
+          <a:p>
+            <a:pPr algn="ctr"/>
+            <a:endParaRPr lang="en-US"/>
+          </a:p>
+        </p:txBody>
+      </p:sp>
+      <p:sp>
+        <p:nvSpPr>
           <p:cNvPr id="2" name="Title 1"/>
           <p:cNvSpPr>
             <a:spLocks noGrp="1"/>
@@ -8406,10 +8462,9 @@
           <a:lstStyle/>
           <a:p>
             <a:r>
-              <a:rPr lang="en-US"/>
+              <a:rPr lang="en-US" dirty="0"/>
               <a:t>Copyright © EV3Lessons.com 2020 (Last edit: 12/21/2019) </a:t>
             </a:r>
-            <a:endParaRPr lang="en-US" dirty="0"/>
           </a:p>
         </p:txBody>
       </p:sp>
@@ -8765,6 +8820,123 @@
           </a:p>
           <a:p>
             <a:endParaRPr lang="en-US" dirty="0"/>
+          </a:p>
+        </p:txBody>
+      </p:sp>
+      <p:pic>
+        <p:nvPicPr>
+          <p:cNvPr id="3" name="Picture 2">
+            <a:extLst>
+              <a:ext uri="{FF2B5EF4-FFF2-40B4-BE49-F238E27FC236}">
+                <a16:creationId xmlns:a16="http://schemas.microsoft.com/office/drawing/2014/main" id="{CF04A3DB-F318-9941-B2E4-50DB957F9FFA}"/>
+              </a:ext>
+            </a:extLst>
+          </p:cNvPr>
+          <p:cNvPicPr>
+            <a:picLocks noChangeAspect="1"/>
+          </p:cNvPicPr>
+          <p:nvPr/>
+        </p:nvPicPr>
+        <p:blipFill>
+          <a:blip r:embed="rId3"/>
+          <a:stretch>
+            <a:fillRect/>
+          </a:stretch>
+        </p:blipFill>
+        <p:spPr>
+          <a:xfrm>
+            <a:off x="4279845" y="4903846"/>
+            <a:ext cx="2021564" cy="1428204"/>
+          </a:xfrm>
+          <a:prstGeom prst="rect">
+            <a:avLst/>
+          </a:prstGeom>
+        </p:spPr>
+      </p:pic>
+      <p:sp>
+        <p:nvSpPr>
+          <p:cNvPr id="6" name="Rectangle 5">
+            <a:extLst>
+              <a:ext uri="{FF2B5EF4-FFF2-40B4-BE49-F238E27FC236}">
+                <a16:creationId xmlns:a16="http://schemas.microsoft.com/office/drawing/2014/main" id="{175FA367-081C-BC46-993E-B0487720D1AC}"/>
+              </a:ext>
+            </a:extLst>
+          </p:cNvPr>
+          <p:cNvSpPr/>
+          <p:nvPr/>
+        </p:nvSpPr>
+        <p:spPr>
+          <a:xfrm>
+            <a:off x="4750903" y="6113355"/>
+            <a:ext cx="1232453" cy="218695"/>
+          </a:xfrm>
+          <a:prstGeom prst="rect">
+            <a:avLst/>
+          </a:prstGeom>
+          <a:noFill/>
+          <a:ln>
+            <a:solidFill>
+              <a:srgbClr val="FF0000"/>
+            </a:solidFill>
+          </a:ln>
+        </p:spPr>
+        <p:style>
+          <a:lnRef idx="2">
+            <a:schemeClr val="accent1">
+              <a:shade val="50000"/>
+            </a:schemeClr>
+          </a:lnRef>
+          <a:fillRef idx="1">
+            <a:schemeClr val="accent1"/>
+          </a:fillRef>
+          <a:effectRef idx="0">
+            <a:schemeClr val="accent1"/>
+          </a:effectRef>
+          <a:fontRef idx="minor">
+            <a:schemeClr val="lt1"/>
+          </a:fontRef>
+        </p:style>
+        <p:txBody>
+          <a:bodyPr rtlCol="0" anchor="ctr"/>
+          <a:lstStyle/>
+          <a:p>
+            <a:pPr algn="ctr"/>
+            <a:endParaRPr lang="en-US"/>
+          </a:p>
+        </p:txBody>
+      </p:sp>
+      <p:sp>
+        <p:nvSpPr>
+          <p:cNvPr id="7" name="TextBox 6">
+            <a:extLst>
+              <a:ext uri="{FF2B5EF4-FFF2-40B4-BE49-F238E27FC236}">
+                <a16:creationId xmlns:a16="http://schemas.microsoft.com/office/drawing/2014/main" id="{E7850F5C-7D8B-3041-9A42-7E8CF33CC6F5}"/>
+              </a:ext>
+            </a:extLst>
+          </p:cNvPr>
+          <p:cNvSpPr txBox="1"/>
+          <p:nvPr/>
+        </p:nvSpPr>
+        <p:spPr>
+          <a:xfrm>
+            <a:off x="6301409" y="5132431"/>
+            <a:ext cx="1690481" cy="1323439"/>
+          </a:xfrm>
+          <a:prstGeom prst="rect">
+            <a:avLst/>
+          </a:prstGeom>
+          <a:noFill/>
+        </p:spPr>
+        <p:txBody>
+          <a:bodyPr wrap="square" rtlCol="0">
+            <a:spAutoFit/>
+          </a:bodyPr>
+          <a:lstStyle/>
+          <a:p>
+            <a:r>
+              <a:rPr lang="en-US" sz="1600" dirty="0"/>
+              <a:t>Note: To see certain blocks, you may have to click on “ALL CODEBLOCKS”</a:t>
+            </a:r>
           </a:p>
         </p:txBody>
       </p:sp>
@@ -9499,7 +9671,7 @@
           <a:effectLst/>
           <a:extLst>
             <a:ext uri="{91240B29-F687-4f45-9708-019B960494DF}">
-              <a14:hiddenLine xmlns:a14="http://schemas.microsoft.com/office/drawing/2010/main" xmlns="" w="9525">
+              <a14:hiddenLine xmlns="" xmlns:a14="http://schemas.microsoft.com/office/drawing/2010/main" w="9525">
                 <a:solidFill>
                   <a:schemeClr val="tx1"/>
                 </a:solidFill>
@@ -9509,7 +9681,7 @@
               </a14:hiddenLine>
             </a:ext>
             <a:ext uri="{AF507438-7753-43e0-B8FC-AC1667EBCBE1}">
-              <a14:hiddenEffects xmlns:a14="http://schemas.microsoft.com/office/drawing/2010/main" xmlns="">
+              <a14:hiddenEffects xmlns="" xmlns:a14="http://schemas.microsoft.com/office/drawing/2010/main">
                 <a:effectLst>
                   <a:outerShdw dist="35921" dir="2700000" algn="ctr" rotWithShape="0">
                     <a:schemeClr val="bg2"/>
@@ -9850,7 +10022,7 @@
           <a:noFill/>
           <a:extLst>
             <a:ext uri="{909E8E84-426E-40dd-AFC4-6F175D3DCCD1}">
-              <a14:hiddenFill xmlns:a14="http://schemas.microsoft.com/office/drawing/2010/main" xmlns="">
+              <a14:hiddenFill xmlns="" xmlns:a14="http://schemas.microsoft.com/office/drawing/2010/main">
                 <a:solidFill>
                   <a:srgbClr val="FFFFFF"/>
                 </a:solidFill>
